--- a/ML Supervised Classification.pptx
+++ b/ML Supervised Classification.pptx
@@ -133,6 +133,73 @@
 </p:presentation>
 </file>
 
+<file path=ppt/revisionInfo.xml><?xml version="1.0" encoding="utf-8"?>
+<p1510:revInfo xmlns:a="http://schemas.openxmlformats.org/drawingml/2006/main" xmlns:r="http://schemas.openxmlformats.org/officeDocument/2006/relationships" xmlns:p1510="http://schemas.microsoft.com/office/powerpoint/2015/10/main">
+  <p1510:revLst>
+    <p1510:client id="{15C59020-73CE-4730-B604-41881A5DD875}" v="13" dt="2024-02-29T16:56:44.535"/>
+  </p1510:revLst>
+</p1510:revInfo>
+</file>
+
+<file path=ppt/changesInfos/changesInfo1.xml><?xml version="1.0" encoding="utf-8"?>
+<pc:chgInfo xmlns:a="http://schemas.openxmlformats.org/drawingml/2006/main" xmlns:r="http://schemas.openxmlformats.org/officeDocument/2006/relationships" xmlns:ac="http://schemas.microsoft.com/office/drawing/2013/main/command" xmlns:pc="http://schemas.microsoft.com/office/powerpoint/2013/main/command">
+  <pc:docChgLst>
+    <pc:chgData name="Kevin Shu" userId="6acc1fb1e5f6e529" providerId="Windows Live" clId="Web-{15C59020-73CE-4730-B604-41881A5DD875}"/>
+    <pc:docChg chg="modSld">
+      <pc:chgData name="Kevin Shu" userId="6acc1fb1e5f6e529" providerId="Windows Live" clId="Web-{15C59020-73CE-4730-B604-41881A5DD875}" dt="2024-02-29T16:54:05.838" v="5"/>
+      <pc:docMkLst>
+        <pc:docMk/>
+      </pc:docMkLst>
+      <pc:sldChg chg="modSp">
+        <pc:chgData name="Kevin Shu" userId="6acc1fb1e5f6e529" providerId="Windows Live" clId="Web-{15C59020-73CE-4730-B604-41881A5DD875}" dt="2024-02-29T16:52:18.143" v="1" actId="20577"/>
+        <pc:sldMkLst>
+          <pc:docMk/>
+          <pc:sldMk cId="2093531430" sldId="278"/>
+        </pc:sldMkLst>
+        <pc:spChg chg="mod">
+          <ac:chgData name="Kevin Shu" userId="6acc1fb1e5f6e529" providerId="Windows Live" clId="Web-{15C59020-73CE-4730-B604-41881A5DD875}" dt="2024-02-29T16:52:18.143" v="1" actId="20577"/>
+          <ac:spMkLst>
+            <pc:docMk/>
+            <pc:sldMk cId="2093531430" sldId="278"/>
+            <ac:spMk id="6" creationId="{9A470DE5-A601-A0EA-7796-DCFB31351EEF}"/>
+          </ac:spMkLst>
+        </pc:spChg>
+      </pc:sldChg>
+      <pc:sldChg chg="modSp">
+        <pc:chgData name="Kevin Shu" userId="6acc1fb1e5f6e529" providerId="Windows Live" clId="Web-{15C59020-73CE-4730-B604-41881A5DD875}" dt="2024-02-29T16:53:50.618" v="3"/>
+        <pc:sldMkLst>
+          <pc:docMk/>
+          <pc:sldMk cId="2027014086" sldId="282"/>
+        </pc:sldMkLst>
+        <pc:graphicFrameChg chg="mod modGraphic">
+          <ac:chgData name="Kevin Shu" userId="6acc1fb1e5f6e529" providerId="Windows Live" clId="Web-{15C59020-73CE-4730-B604-41881A5DD875}" dt="2024-02-29T16:53:50.618" v="3"/>
+          <ac:graphicFrameMkLst>
+            <pc:docMk/>
+            <pc:sldMk cId="2027014086" sldId="282"/>
+            <ac:graphicFrameMk id="6" creationId="{5AAF52B2-E6F1-FD96-C462-000E0617107D}"/>
+          </ac:graphicFrameMkLst>
+        </pc:graphicFrameChg>
+      </pc:sldChg>
+      <pc:sldChg chg="modSp">
+        <pc:chgData name="Kevin Shu" userId="6acc1fb1e5f6e529" providerId="Windows Live" clId="Web-{15C59020-73CE-4730-B604-41881A5DD875}" dt="2024-02-29T16:54:05.838" v="5"/>
+        <pc:sldMkLst>
+          <pc:docMk/>
+          <pc:sldMk cId="3786376538" sldId="284"/>
+        </pc:sldMkLst>
+        <pc:graphicFrameChg chg="mod modGraphic">
+          <ac:chgData name="Kevin Shu" userId="6acc1fb1e5f6e529" providerId="Windows Live" clId="Web-{15C59020-73CE-4730-B604-41881A5DD875}" dt="2024-02-29T16:54:05.838" v="5"/>
+          <ac:graphicFrameMkLst>
+            <pc:docMk/>
+            <pc:sldMk cId="3786376538" sldId="284"/>
+            <ac:graphicFrameMk id="5" creationId="{DF5AC407-EF8C-1803-AA1C-69BAE11E59FF}"/>
+          </ac:graphicFrameMkLst>
+        </pc:graphicFrameChg>
+      </pc:sldChg>
+    </pc:docChg>
+  </pc:docChgLst>
+</pc:chgInfo>
+</file>
+
 <file path=ppt/ink/ink1.xml><?xml version="1.0" encoding="utf-8"?>
 <inkml:ink xmlns:inkml="http://www.w3.org/2003/InkML">
   <inkml:definitions>
@@ -309,7 +376,7 @@
           <a:p>
             <a:fld id="{DAA7DA7B-E6F3-409E-86BF-63E2FA31D32B}" type="datetimeFigureOut">
               <a:rPr lang="en-US" smtClean="0"/>
-              <a:t>2/27/2024</a:t>
+              <a:t>2/29/2024</a:t>
             </a:fld>
             <a:endParaRPr lang="en-US"/>
           </a:p>
@@ -507,7 +574,7 @@
           <a:p>
             <a:fld id="{DAA7DA7B-E6F3-409E-86BF-63E2FA31D32B}" type="datetimeFigureOut">
               <a:rPr lang="en-US" smtClean="0"/>
-              <a:t>2/27/2024</a:t>
+              <a:t>2/29/2024</a:t>
             </a:fld>
             <a:endParaRPr lang="en-US"/>
           </a:p>
@@ -715,7 +782,7 @@
           <a:p>
             <a:fld id="{DAA7DA7B-E6F3-409E-86BF-63E2FA31D32B}" type="datetimeFigureOut">
               <a:rPr lang="en-US" smtClean="0"/>
-              <a:t>2/27/2024</a:t>
+              <a:t>2/29/2024</a:t>
             </a:fld>
             <a:endParaRPr lang="en-US"/>
           </a:p>
@@ -913,7 +980,7 @@
           <a:p>
             <a:fld id="{DAA7DA7B-E6F3-409E-86BF-63E2FA31D32B}" type="datetimeFigureOut">
               <a:rPr lang="en-US" smtClean="0"/>
-              <a:t>2/27/2024</a:t>
+              <a:t>2/29/2024</a:t>
             </a:fld>
             <a:endParaRPr lang="en-US"/>
           </a:p>
@@ -1188,7 +1255,7 @@
           <a:p>
             <a:fld id="{DAA7DA7B-E6F3-409E-86BF-63E2FA31D32B}" type="datetimeFigureOut">
               <a:rPr lang="en-US" smtClean="0"/>
-              <a:t>2/27/2024</a:t>
+              <a:t>2/29/2024</a:t>
             </a:fld>
             <a:endParaRPr lang="en-US"/>
           </a:p>
@@ -1453,7 +1520,7 @@
           <a:p>
             <a:fld id="{DAA7DA7B-E6F3-409E-86BF-63E2FA31D32B}" type="datetimeFigureOut">
               <a:rPr lang="en-US" smtClean="0"/>
-              <a:t>2/27/2024</a:t>
+              <a:t>2/29/2024</a:t>
             </a:fld>
             <a:endParaRPr lang="en-US"/>
           </a:p>
@@ -1865,7 +1932,7 @@
           <a:p>
             <a:fld id="{DAA7DA7B-E6F3-409E-86BF-63E2FA31D32B}" type="datetimeFigureOut">
               <a:rPr lang="en-US" smtClean="0"/>
-              <a:t>2/27/2024</a:t>
+              <a:t>2/29/2024</a:t>
             </a:fld>
             <a:endParaRPr lang="en-US"/>
           </a:p>
@@ -2006,7 +2073,7 @@
           <a:p>
             <a:fld id="{DAA7DA7B-E6F3-409E-86BF-63E2FA31D32B}" type="datetimeFigureOut">
               <a:rPr lang="en-US" smtClean="0"/>
-              <a:t>2/27/2024</a:t>
+              <a:t>2/29/2024</a:t>
             </a:fld>
             <a:endParaRPr lang="en-US"/>
           </a:p>
@@ -2119,7 +2186,7 @@
           <a:p>
             <a:fld id="{DAA7DA7B-E6F3-409E-86BF-63E2FA31D32B}" type="datetimeFigureOut">
               <a:rPr lang="en-US" smtClean="0"/>
-              <a:t>2/27/2024</a:t>
+              <a:t>2/29/2024</a:t>
             </a:fld>
             <a:endParaRPr lang="en-US"/>
           </a:p>
@@ -2430,7 +2497,7 @@
           <a:p>
             <a:fld id="{DAA7DA7B-E6F3-409E-86BF-63E2FA31D32B}" type="datetimeFigureOut">
               <a:rPr lang="en-US" smtClean="0"/>
-              <a:t>2/27/2024</a:t>
+              <a:t>2/29/2024</a:t>
             </a:fld>
             <a:endParaRPr lang="en-US"/>
           </a:p>
@@ -2718,7 +2785,7 @@
           <a:p>
             <a:fld id="{DAA7DA7B-E6F3-409E-86BF-63E2FA31D32B}" type="datetimeFigureOut">
               <a:rPr lang="en-US" smtClean="0"/>
-              <a:t>2/27/2024</a:t>
+              <a:t>2/29/2024</a:t>
             </a:fld>
             <a:endParaRPr lang="en-US"/>
           </a:p>
@@ -2959,7 +3026,7 @@
           <a:p>
             <a:fld id="{DAA7DA7B-E6F3-409E-86BF-63E2FA31D32B}" type="datetimeFigureOut">
               <a:rPr lang="en-US" smtClean="0"/>
-              <a:t>2/27/2024</a:t>
+              <a:t>2/29/2024</a:t>
             </a:fld>
             <a:endParaRPr lang="en-US"/>
           </a:p>
@@ -5263,7 +5330,7 @@
           <a:noFill/>
         </p:spPr>
         <p:txBody>
-          <a:bodyPr wrap="square" rtlCol="0">
+          <a:bodyPr wrap="square" lIns="91440" tIns="45720" rIns="91440" bIns="45720" rtlCol="0" anchor="t">
             <a:spAutoFit/>
           </a:bodyPr>
           <a:lstStyle/>
@@ -5366,31 +5433,31 @@
           <a:p>
             <a:r>
               <a:rPr lang="en-US" dirty="0" err="1">
-                <a:latin typeface="Courier New" panose="02070309020205020404" pitchFamily="49" charset="0"/>
-                <a:cs typeface="Courier New" panose="02070309020205020404" pitchFamily="49" charset="0"/>
+                <a:latin typeface="Courier New"/>
+                <a:cs typeface="Courier New"/>
               </a:rPr>
               <a:t>creditcard.test</a:t>
             </a:r>
             <a:r>
               <a:rPr lang="en-US" dirty="0">
-                <a:latin typeface="Courier New" panose="02070309020205020404" pitchFamily="49" charset="0"/>
-                <a:cs typeface="Courier New" panose="02070309020205020404" pitchFamily="49" charset="0"/>
+                <a:latin typeface="Courier New"/>
+                <a:cs typeface="Courier New"/>
               </a:rPr>
               <a:t> &lt;- </a:t>
             </a:r>
             <a:r>
               <a:rPr lang="en-US" dirty="0" err="1">
-                <a:latin typeface="Courier New" panose="02070309020205020404" pitchFamily="49" charset="0"/>
-                <a:cs typeface="Courier New" panose="02070309020205020404" pitchFamily="49" charset="0"/>
+                <a:latin typeface="Courier New"/>
+                <a:cs typeface="Courier New"/>
               </a:rPr>
               <a:t>df</a:t>
             </a:r>
             <a:r>
               <a:rPr lang="en-US" dirty="0">
-                <a:latin typeface="Courier New" panose="02070309020205020404" pitchFamily="49" charset="0"/>
-                <a:cs typeface="Courier New" panose="02070309020205020404" pitchFamily="49" charset="0"/>
+                <a:latin typeface="Courier New"/>
+                <a:cs typeface="Courier New"/>
               </a:rPr>
-              <a:t>[ split,]</a:t>
+              <a:t>[-split,]</a:t>
             </a:r>
           </a:p>
           <a:p>
@@ -5987,7 +6054,7 @@
           <p:nvPr>
             <p:extLst>
               <p:ext uri="{D42A27DB-BD31-4B8C-83A1-F6EECF244321}">
-                <p14:modId xmlns:p14="http://schemas.microsoft.com/office/powerpoint/2010/main" val="1459824578"/>
+                <p14:modId xmlns:p14="http://schemas.microsoft.com/office/powerpoint/2010/main" val="1809993064"/>
               </p:ext>
             </p:extLst>
           </p:nvPr>
@@ -6204,7 +6271,7 @@
                     <a:p>
                       <a:r>
                         <a:rPr lang="en-US" sz="2800" dirty="0"/>
-                        <a:t>.91</a:t>
+                        <a:t>.99</a:t>
                       </a:r>
                     </a:p>
                   </a:txBody>
@@ -7008,7 +7075,7 @@
           <p:nvPr>
             <p:extLst>
               <p:ext uri="{D42A27DB-BD31-4B8C-83A1-F6EECF244321}">
-                <p14:modId xmlns:p14="http://schemas.microsoft.com/office/powerpoint/2010/main" val="2777198646"/>
+                <p14:modId xmlns:p14="http://schemas.microsoft.com/office/powerpoint/2010/main" val="402546364"/>
               </p:ext>
             </p:extLst>
           </p:nvPr>
@@ -7225,7 +7292,7 @@
                     <a:p>
                       <a:r>
                         <a:rPr lang="en-US" sz="2800" dirty="0"/>
-                        <a:t>.91</a:t>
+                        <a:t>.99</a:t>
                       </a:r>
                     </a:p>
                   </a:txBody>

--- a/ML Supervised Classification.pptx
+++ b/ML Supervised Classification.pptx
@@ -23,10 +23,11 @@
     <p:sldId id="277" r:id="rId17"/>
     <p:sldId id="278" r:id="rId18"/>
     <p:sldId id="286" r:id="rId19"/>
-    <p:sldId id="282" r:id="rId20"/>
-    <p:sldId id="280" r:id="rId21"/>
-    <p:sldId id="284" r:id="rId22"/>
-    <p:sldId id="285" r:id="rId23"/>
+    <p:sldId id="287" r:id="rId20"/>
+    <p:sldId id="282" r:id="rId21"/>
+    <p:sldId id="280" r:id="rId22"/>
+    <p:sldId id="284" r:id="rId23"/>
+    <p:sldId id="285" r:id="rId24"/>
   </p:sldIdLst>
   <p:sldSz cx="12192000" cy="6858000"/>
   <p:notesSz cx="6858000" cy="9144000"/>
@@ -133,73 +134,6 @@
 </p:presentation>
 </file>
 
-<file path=ppt/revisionInfo.xml><?xml version="1.0" encoding="utf-8"?>
-<p1510:revInfo xmlns:a="http://schemas.openxmlformats.org/drawingml/2006/main" xmlns:r="http://schemas.openxmlformats.org/officeDocument/2006/relationships" xmlns:p1510="http://schemas.microsoft.com/office/powerpoint/2015/10/main">
-  <p1510:revLst>
-    <p1510:client id="{15C59020-73CE-4730-B604-41881A5DD875}" v="13" dt="2024-02-29T16:56:44.535"/>
-  </p1510:revLst>
-</p1510:revInfo>
-</file>
-
-<file path=ppt/changesInfos/changesInfo1.xml><?xml version="1.0" encoding="utf-8"?>
-<pc:chgInfo xmlns:a="http://schemas.openxmlformats.org/drawingml/2006/main" xmlns:r="http://schemas.openxmlformats.org/officeDocument/2006/relationships" xmlns:ac="http://schemas.microsoft.com/office/drawing/2013/main/command" xmlns:pc="http://schemas.microsoft.com/office/powerpoint/2013/main/command">
-  <pc:docChgLst>
-    <pc:chgData name="Kevin Shu" userId="6acc1fb1e5f6e529" providerId="Windows Live" clId="Web-{15C59020-73CE-4730-B604-41881A5DD875}"/>
-    <pc:docChg chg="modSld">
-      <pc:chgData name="Kevin Shu" userId="6acc1fb1e5f6e529" providerId="Windows Live" clId="Web-{15C59020-73CE-4730-B604-41881A5DD875}" dt="2024-02-29T16:54:05.838" v="5"/>
-      <pc:docMkLst>
-        <pc:docMk/>
-      </pc:docMkLst>
-      <pc:sldChg chg="modSp">
-        <pc:chgData name="Kevin Shu" userId="6acc1fb1e5f6e529" providerId="Windows Live" clId="Web-{15C59020-73CE-4730-B604-41881A5DD875}" dt="2024-02-29T16:52:18.143" v="1" actId="20577"/>
-        <pc:sldMkLst>
-          <pc:docMk/>
-          <pc:sldMk cId="2093531430" sldId="278"/>
-        </pc:sldMkLst>
-        <pc:spChg chg="mod">
-          <ac:chgData name="Kevin Shu" userId="6acc1fb1e5f6e529" providerId="Windows Live" clId="Web-{15C59020-73CE-4730-B604-41881A5DD875}" dt="2024-02-29T16:52:18.143" v="1" actId="20577"/>
-          <ac:spMkLst>
-            <pc:docMk/>
-            <pc:sldMk cId="2093531430" sldId="278"/>
-            <ac:spMk id="6" creationId="{9A470DE5-A601-A0EA-7796-DCFB31351EEF}"/>
-          </ac:spMkLst>
-        </pc:spChg>
-      </pc:sldChg>
-      <pc:sldChg chg="modSp">
-        <pc:chgData name="Kevin Shu" userId="6acc1fb1e5f6e529" providerId="Windows Live" clId="Web-{15C59020-73CE-4730-B604-41881A5DD875}" dt="2024-02-29T16:53:50.618" v="3"/>
-        <pc:sldMkLst>
-          <pc:docMk/>
-          <pc:sldMk cId="2027014086" sldId="282"/>
-        </pc:sldMkLst>
-        <pc:graphicFrameChg chg="mod modGraphic">
-          <ac:chgData name="Kevin Shu" userId="6acc1fb1e5f6e529" providerId="Windows Live" clId="Web-{15C59020-73CE-4730-B604-41881A5DD875}" dt="2024-02-29T16:53:50.618" v="3"/>
-          <ac:graphicFrameMkLst>
-            <pc:docMk/>
-            <pc:sldMk cId="2027014086" sldId="282"/>
-            <ac:graphicFrameMk id="6" creationId="{5AAF52B2-E6F1-FD96-C462-000E0617107D}"/>
-          </ac:graphicFrameMkLst>
-        </pc:graphicFrameChg>
-      </pc:sldChg>
-      <pc:sldChg chg="modSp">
-        <pc:chgData name="Kevin Shu" userId="6acc1fb1e5f6e529" providerId="Windows Live" clId="Web-{15C59020-73CE-4730-B604-41881A5DD875}" dt="2024-02-29T16:54:05.838" v="5"/>
-        <pc:sldMkLst>
-          <pc:docMk/>
-          <pc:sldMk cId="3786376538" sldId="284"/>
-        </pc:sldMkLst>
-        <pc:graphicFrameChg chg="mod modGraphic">
-          <ac:chgData name="Kevin Shu" userId="6acc1fb1e5f6e529" providerId="Windows Live" clId="Web-{15C59020-73CE-4730-B604-41881A5DD875}" dt="2024-02-29T16:54:05.838" v="5"/>
-          <ac:graphicFrameMkLst>
-            <pc:docMk/>
-            <pc:sldMk cId="3786376538" sldId="284"/>
-            <ac:graphicFrameMk id="5" creationId="{DF5AC407-EF8C-1803-AA1C-69BAE11E59FF}"/>
-          </ac:graphicFrameMkLst>
-        </pc:graphicFrameChg>
-      </pc:sldChg>
-    </pc:docChg>
-  </pc:docChgLst>
-</pc:chgInfo>
-</file>
-
 <file path=ppt/ink/ink1.xml><?xml version="1.0" encoding="utf-8"?>
 <inkml:ink xmlns:inkml="http://www.w3.org/2003/InkML">
   <inkml:definitions>
@@ -376,7 +310,7 @@
           <a:p>
             <a:fld id="{DAA7DA7B-E6F3-409E-86BF-63E2FA31D32B}" type="datetimeFigureOut">
               <a:rPr lang="en-US" smtClean="0"/>
-              <a:t>2/29/2024</a:t>
+              <a:t>3/1/2024</a:t>
             </a:fld>
             <a:endParaRPr lang="en-US"/>
           </a:p>
@@ -574,7 +508,7 @@
           <a:p>
             <a:fld id="{DAA7DA7B-E6F3-409E-86BF-63E2FA31D32B}" type="datetimeFigureOut">
               <a:rPr lang="en-US" smtClean="0"/>
-              <a:t>2/29/2024</a:t>
+              <a:t>3/1/2024</a:t>
             </a:fld>
             <a:endParaRPr lang="en-US"/>
           </a:p>
@@ -782,7 +716,7 @@
           <a:p>
             <a:fld id="{DAA7DA7B-E6F3-409E-86BF-63E2FA31D32B}" type="datetimeFigureOut">
               <a:rPr lang="en-US" smtClean="0"/>
-              <a:t>2/29/2024</a:t>
+              <a:t>3/1/2024</a:t>
             </a:fld>
             <a:endParaRPr lang="en-US"/>
           </a:p>
@@ -980,7 +914,7 @@
           <a:p>
             <a:fld id="{DAA7DA7B-E6F3-409E-86BF-63E2FA31D32B}" type="datetimeFigureOut">
               <a:rPr lang="en-US" smtClean="0"/>
-              <a:t>2/29/2024</a:t>
+              <a:t>3/1/2024</a:t>
             </a:fld>
             <a:endParaRPr lang="en-US"/>
           </a:p>
@@ -1255,7 +1189,7 @@
           <a:p>
             <a:fld id="{DAA7DA7B-E6F3-409E-86BF-63E2FA31D32B}" type="datetimeFigureOut">
               <a:rPr lang="en-US" smtClean="0"/>
-              <a:t>2/29/2024</a:t>
+              <a:t>3/1/2024</a:t>
             </a:fld>
             <a:endParaRPr lang="en-US"/>
           </a:p>
@@ -1520,7 +1454,7 @@
           <a:p>
             <a:fld id="{DAA7DA7B-E6F3-409E-86BF-63E2FA31D32B}" type="datetimeFigureOut">
               <a:rPr lang="en-US" smtClean="0"/>
-              <a:t>2/29/2024</a:t>
+              <a:t>3/1/2024</a:t>
             </a:fld>
             <a:endParaRPr lang="en-US"/>
           </a:p>
@@ -1932,7 +1866,7 @@
           <a:p>
             <a:fld id="{DAA7DA7B-E6F3-409E-86BF-63E2FA31D32B}" type="datetimeFigureOut">
               <a:rPr lang="en-US" smtClean="0"/>
-              <a:t>2/29/2024</a:t>
+              <a:t>3/1/2024</a:t>
             </a:fld>
             <a:endParaRPr lang="en-US"/>
           </a:p>
@@ -2073,7 +2007,7 @@
           <a:p>
             <a:fld id="{DAA7DA7B-E6F3-409E-86BF-63E2FA31D32B}" type="datetimeFigureOut">
               <a:rPr lang="en-US" smtClean="0"/>
-              <a:t>2/29/2024</a:t>
+              <a:t>3/1/2024</a:t>
             </a:fld>
             <a:endParaRPr lang="en-US"/>
           </a:p>
@@ -2186,7 +2120,7 @@
           <a:p>
             <a:fld id="{DAA7DA7B-E6F3-409E-86BF-63E2FA31D32B}" type="datetimeFigureOut">
               <a:rPr lang="en-US" smtClean="0"/>
-              <a:t>2/29/2024</a:t>
+              <a:t>3/1/2024</a:t>
             </a:fld>
             <a:endParaRPr lang="en-US"/>
           </a:p>
@@ -2497,7 +2431,7 @@
           <a:p>
             <a:fld id="{DAA7DA7B-E6F3-409E-86BF-63E2FA31D32B}" type="datetimeFigureOut">
               <a:rPr lang="en-US" smtClean="0"/>
-              <a:t>2/29/2024</a:t>
+              <a:t>3/1/2024</a:t>
             </a:fld>
             <a:endParaRPr lang="en-US"/>
           </a:p>
@@ -2785,7 +2719,7 @@
           <a:p>
             <a:fld id="{DAA7DA7B-E6F3-409E-86BF-63E2FA31D32B}" type="datetimeFigureOut">
               <a:rPr lang="en-US" smtClean="0"/>
-              <a:t>2/29/2024</a:t>
+              <a:t>3/1/2024</a:t>
             </a:fld>
             <a:endParaRPr lang="en-US"/>
           </a:p>
@@ -3026,7 +2960,7 @@
           <a:p>
             <a:fld id="{DAA7DA7B-E6F3-409E-86BF-63E2FA31D32B}" type="datetimeFigureOut">
               <a:rPr lang="en-US" smtClean="0"/>
-              <a:t>2/29/2024</a:t>
+              <a:t>3/1/2024</a:t>
             </a:fld>
             <a:endParaRPr lang="en-US"/>
           </a:p>
@@ -5330,7 +5264,7 @@
           <a:noFill/>
         </p:spPr>
         <p:txBody>
-          <a:bodyPr wrap="square" lIns="91440" tIns="45720" rIns="91440" bIns="45720" rtlCol="0" anchor="t">
+          <a:bodyPr wrap="square" rtlCol="0">
             <a:spAutoFit/>
           </a:bodyPr>
           <a:lstStyle/>
@@ -5433,31 +5367,38 @@
           <a:p>
             <a:r>
               <a:rPr lang="en-US" dirty="0" err="1">
-                <a:latin typeface="Courier New"/>
-                <a:cs typeface="Courier New"/>
+                <a:latin typeface="Courier New" panose="02070309020205020404" pitchFamily="49" charset="0"/>
+                <a:cs typeface="Courier New" panose="02070309020205020404" pitchFamily="49" charset="0"/>
               </a:rPr>
               <a:t>creditcard.test</a:t>
             </a:r>
             <a:r>
               <a:rPr lang="en-US" dirty="0">
-                <a:latin typeface="Courier New"/>
-                <a:cs typeface="Courier New"/>
+                <a:latin typeface="Courier New" panose="02070309020205020404" pitchFamily="49" charset="0"/>
+                <a:cs typeface="Courier New" panose="02070309020205020404" pitchFamily="49" charset="0"/>
               </a:rPr>
               <a:t> &lt;- </a:t>
             </a:r>
             <a:r>
               <a:rPr lang="en-US" dirty="0" err="1">
-                <a:latin typeface="Courier New"/>
-                <a:cs typeface="Courier New"/>
+                <a:latin typeface="Courier New" panose="02070309020205020404" pitchFamily="49" charset="0"/>
+                <a:cs typeface="Courier New" panose="02070309020205020404" pitchFamily="49" charset="0"/>
               </a:rPr>
               <a:t>df</a:t>
             </a:r>
             <a:r>
+              <a:rPr lang="en-US">
+                <a:latin typeface="Courier New" panose="02070309020205020404" pitchFamily="49" charset="0"/>
+                <a:cs typeface="Courier New" panose="02070309020205020404" pitchFamily="49" charset="0"/>
+              </a:rPr>
+              <a:t>[ -split</a:t>
+            </a:r>
+            <a:r>
               <a:rPr lang="en-US" dirty="0">
-                <a:latin typeface="Courier New"/>
-                <a:cs typeface="Courier New"/>
+                <a:latin typeface="Courier New" panose="02070309020205020404" pitchFamily="49" charset="0"/>
+                <a:cs typeface="Courier New" panose="02070309020205020404" pitchFamily="49" charset="0"/>
               </a:rPr>
-              <a:t>[-split,]</a:t>
+              <a:t>,]</a:t>
             </a:r>
           </a:p>
           <a:p>
@@ -5957,6 +5898,185 @@
   <p:cSld>
     <p:spTree>
       <p:nvGrpSpPr>
+        <p:cNvPr id="1" name=""/>
+        <p:cNvGrpSpPr/>
+        <p:nvPr/>
+      </p:nvGrpSpPr>
+      <p:grpSpPr>
+        <a:xfrm>
+          <a:off x="0" y="0"/>
+          <a:ext cx="0" cy="0"/>
+          <a:chOff x="0" y="0"/>
+          <a:chExt cx="0" cy="0"/>
+        </a:xfrm>
+      </p:grpSpPr>
+      <p:pic>
+        <p:nvPicPr>
+          <p:cNvPr id="5" name="Content Placeholder 4">
+            <a:extLst>
+              <a:ext uri="{FF2B5EF4-FFF2-40B4-BE49-F238E27FC236}">
+                <a16:creationId xmlns:a16="http://schemas.microsoft.com/office/drawing/2014/main" id="{46F2A9C3-A764-A4D4-A5C0-F66FDD50BDDE}"/>
+              </a:ext>
+            </a:extLst>
+          </p:cNvPr>
+          <p:cNvPicPr>
+            <a:picLocks noGrp="1" noChangeAspect="1"/>
+          </p:cNvPicPr>
+          <p:nvPr>
+            <p:ph idx="1"/>
+          </p:nvPr>
+        </p:nvPicPr>
+        <p:blipFill>
+          <a:blip r:embed="rId2">
+            <a:extLst>
+              <a:ext uri="{28A0092B-C50C-407E-A947-70E740481C1C}">
+                <a14:useLocalDpi xmlns:a14="http://schemas.microsoft.com/office/drawing/2010/main" val="0"/>
+              </a:ext>
+            </a:extLst>
+          </a:blip>
+          <a:stretch>
+            <a:fillRect/>
+          </a:stretch>
+        </p:blipFill>
+        <p:spPr>
+          <a:xfrm>
+            <a:off x="1743426" y="518615"/>
+            <a:ext cx="8410508" cy="6162155"/>
+          </a:xfrm>
+        </p:spPr>
+      </p:pic>
+    </p:spTree>
+    <p:extLst>
+      <p:ext uri="{BB962C8B-B14F-4D97-AF65-F5344CB8AC3E}">
+        <p14:creationId xmlns:p14="http://schemas.microsoft.com/office/powerpoint/2010/main" val="700427964"/>
+      </p:ext>
+    </p:extLst>
+  </p:cSld>
+  <p:clrMapOvr>
+    <a:masterClrMapping/>
+  </p:clrMapOvr>
+</p:sld>
+</file>
+
+<file path=ppt/slides/slide2.xml><?xml version="1.0" encoding="utf-8"?>
+<p:sld xmlns:a="http://schemas.openxmlformats.org/drawingml/2006/main" xmlns:r="http://schemas.openxmlformats.org/officeDocument/2006/relationships" xmlns:p="http://schemas.openxmlformats.org/presentationml/2006/main">
+  <p:cSld>
+    <p:spTree>
+      <p:nvGrpSpPr>
+        <p:cNvPr id="1" name=""/>
+        <p:cNvGrpSpPr/>
+        <p:nvPr/>
+      </p:nvGrpSpPr>
+      <p:grpSpPr>
+        <a:xfrm>
+          <a:off x="0" y="0"/>
+          <a:ext cx="0" cy="0"/>
+          <a:chOff x="0" y="0"/>
+          <a:chExt cx="0" cy="0"/>
+        </a:xfrm>
+      </p:grpSpPr>
+      <p:sp>
+        <p:nvSpPr>
+          <p:cNvPr id="2" name="Title 1">
+            <a:extLst>
+              <a:ext uri="{FF2B5EF4-FFF2-40B4-BE49-F238E27FC236}">
+                <a16:creationId xmlns:a16="http://schemas.microsoft.com/office/drawing/2014/main" id="{318BDD27-0417-5E9D-4858-EBC2F41AD9D5}"/>
+              </a:ext>
+            </a:extLst>
+          </p:cNvPr>
+          <p:cNvSpPr>
+            <a:spLocks noGrp="1"/>
+          </p:cNvSpPr>
+          <p:nvPr>
+            <p:ph type="title"/>
+          </p:nvPr>
+        </p:nvSpPr>
+        <p:spPr/>
+        <p:txBody>
+          <a:bodyPr>
+            <a:normAutofit/>
+          </a:bodyPr>
+          <a:lstStyle/>
+          <a:p>
+            <a:r>
+              <a:rPr lang="en-US" sz="6000" b="1" dirty="0"/>
+              <a:t>Agenda</a:t>
+            </a:r>
+          </a:p>
+        </p:txBody>
+      </p:sp>
+      <p:sp>
+        <p:nvSpPr>
+          <p:cNvPr id="3" name="Content Placeholder 2">
+            <a:extLst>
+              <a:ext uri="{FF2B5EF4-FFF2-40B4-BE49-F238E27FC236}">
+                <a16:creationId xmlns:a16="http://schemas.microsoft.com/office/drawing/2014/main" id="{A7D2AC74-DC8C-4F95-E587-2A9BC6AFECA2}"/>
+              </a:ext>
+            </a:extLst>
+          </p:cNvPr>
+          <p:cNvSpPr>
+            <a:spLocks noGrp="1"/>
+          </p:cNvSpPr>
+          <p:nvPr>
+            <p:ph idx="1"/>
+          </p:nvPr>
+        </p:nvSpPr>
+        <p:spPr/>
+        <p:txBody>
+          <a:bodyPr>
+            <a:normAutofit/>
+          </a:bodyPr>
+          <a:lstStyle/>
+          <a:p>
+            <a:r>
+              <a:rPr lang="en-US" sz="4000" dirty="0"/>
+              <a:t>Supervised Machine Learning Classification</a:t>
+            </a:r>
+          </a:p>
+          <a:p>
+            <a:r>
+              <a:rPr lang="en-US" sz="4000" dirty="0"/>
+              <a:t>When to use it (Cases)</a:t>
+            </a:r>
+          </a:p>
+          <a:p>
+            <a:r>
+              <a:rPr lang="en-US" sz="4000" dirty="0"/>
+              <a:t>About R</a:t>
+            </a:r>
+          </a:p>
+          <a:p>
+            <a:r>
+              <a:rPr lang="en-US" sz="4000" dirty="0"/>
+              <a:t>Credit Card dataset</a:t>
+            </a:r>
+          </a:p>
+          <a:p>
+            <a:r>
+              <a:rPr lang="en-US" sz="4000" dirty="0"/>
+              <a:t>Neural Networks </a:t>
+            </a:r>
+          </a:p>
+        </p:txBody>
+      </p:sp>
+    </p:spTree>
+    <p:extLst>
+      <p:ext uri="{BB962C8B-B14F-4D97-AF65-F5344CB8AC3E}">
+        <p14:creationId xmlns:p14="http://schemas.microsoft.com/office/powerpoint/2010/main" val="285324224"/>
+      </p:ext>
+    </p:extLst>
+  </p:cSld>
+  <p:clrMapOvr>
+    <a:masterClrMapping/>
+  </p:clrMapOvr>
+</p:sld>
+</file>
+
+<file path=ppt/slides/slide20.xml><?xml version="1.0" encoding="utf-8"?>
+<p:sld xmlns:a="http://schemas.openxmlformats.org/drawingml/2006/main" xmlns:r="http://schemas.openxmlformats.org/officeDocument/2006/relationships" xmlns:p="http://schemas.openxmlformats.org/presentationml/2006/main">
+  <p:cSld>
+    <p:spTree>
+      <p:nvGrpSpPr>
         <p:cNvPr id="1" name="">
           <a:extLst>
             <a:ext uri="{FF2B5EF4-FFF2-40B4-BE49-F238E27FC236}">
@@ -6054,7 +6174,7 @@
           <p:nvPr>
             <p:extLst>
               <p:ext uri="{D42A27DB-BD31-4B8C-83A1-F6EECF244321}">
-                <p14:modId xmlns:p14="http://schemas.microsoft.com/office/powerpoint/2010/main" val="1809993064"/>
+                <p14:modId xmlns:p14="http://schemas.microsoft.com/office/powerpoint/2010/main" val="1459824578"/>
               </p:ext>
             </p:extLst>
           </p:nvPr>
@@ -6271,7 +6391,7 @@
                     <a:p>
                       <a:r>
                         <a:rPr lang="en-US" sz="2800" dirty="0"/>
-                        <a:t>.99</a:t>
+                        <a:t>.91</a:t>
                       </a:r>
                     </a:p>
                   </a:txBody>
@@ -6557,7 +6677,7 @@
 </p:sld>
 </file>
 
-<file path=ppt/slides/slide2.xml><?xml version="1.0" encoding="utf-8"?>
+<file path=ppt/slides/slide21.xml><?xml version="1.0" encoding="utf-8"?>
 <p:sld xmlns:a="http://schemas.openxmlformats.org/drawingml/2006/main" xmlns:r="http://schemas.openxmlformats.org/officeDocument/2006/relationships" xmlns:p="http://schemas.openxmlformats.org/presentationml/2006/main">
   <p:cSld>
     <p:spTree>
@@ -6576,120 +6696,6 @@
       </p:grpSpPr>
       <p:sp>
         <p:nvSpPr>
-          <p:cNvPr id="2" name="Title 1">
-            <a:extLst>
-              <a:ext uri="{FF2B5EF4-FFF2-40B4-BE49-F238E27FC236}">
-                <a16:creationId xmlns:a16="http://schemas.microsoft.com/office/drawing/2014/main" id="{318BDD27-0417-5E9D-4858-EBC2F41AD9D5}"/>
-              </a:ext>
-            </a:extLst>
-          </p:cNvPr>
-          <p:cNvSpPr>
-            <a:spLocks noGrp="1"/>
-          </p:cNvSpPr>
-          <p:nvPr>
-            <p:ph type="title"/>
-          </p:nvPr>
-        </p:nvSpPr>
-        <p:spPr/>
-        <p:txBody>
-          <a:bodyPr>
-            <a:normAutofit/>
-          </a:bodyPr>
-          <a:lstStyle/>
-          <a:p>
-            <a:r>
-              <a:rPr lang="en-US" sz="6000" b="1" dirty="0"/>
-              <a:t>Agenda</a:t>
-            </a:r>
-          </a:p>
-        </p:txBody>
-      </p:sp>
-      <p:sp>
-        <p:nvSpPr>
-          <p:cNvPr id="3" name="Content Placeholder 2">
-            <a:extLst>
-              <a:ext uri="{FF2B5EF4-FFF2-40B4-BE49-F238E27FC236}">
-                <a16:creationId xmlns:a16="http://schemas.microsoft.com/office/drawing/2014/main" id="{A7D2AC74-DC8C-4F95-E587-2A9BC6AFECA2}"/>
-              </a:ext>
-            </a:extLst>
-          </p:cNvPr>
-          <p:cNvSpPr>
-            <a:spLocks noGrp="1"/>
-          </p:cNvSpPr>
-          <p:nvPr>
-            <p:ph idx="1"/>
-          </p:nvPr>
-        </p:nvSpPr>
-        <p:spPr/>
-        <p:txBody>
-          <a:bodyPr>
-            <a:normAutofit/>
-          </a:bodyPr>
-          <a:lstStyle/>
-          <a:p>
-            <a:r>
-              <a:rPr lang="en-US" sz="4000" dirty="0"/>
-              <a:t>Supervised Machine Learning Classification</a:t>
-            </a:r>
-          </a:p>
-          <a:p>
-            <a:r>
-              <a:rPr lang="en-US" sz="4000" dirty="0"/>
-              <a:t>When to use it (Cases)</a:t>
-            </a:r>
-          </a:p>
-          <a:p>
-            <a:r>
-              <a:rPr lang="en-US" sz="4000" dirty="0"/>
-              <a:t>About R</a:t>
-            </a:r>
-          </a:p>
-          <a:p>
-            <a:r>
-              <a:rPr lang="en-US" sz="4000" dirty="0"/>
-              <a:t>Credit Card dataset</a:t>
-            </a:r>
-          </a:p>
-          <a:p>
-            <a:r>
-              <a:rPr lang="en-US" sz="4000" dirty="0"/>
-              <a:t>Neural Networks </a:t>
-            </a:r>
-          </a:p>
-        </p:txBody>
-      </p:sp>
-    </p:spTree>
-    <p:extLst>
-      <p:ext uri="{BB962C8B-B14F-4D97-AF65-F5344CB8AC3E}">
-        <p14:creationId xmlns:p14="http://schemas.microsoft.com/office/powerpoint/2010/main" val="285324224"/>
-      </p:ext>
-    </p:extLst>
-  </p:cSld>
-  <p:clrMapOvr>
-    <a:masterClrMapping/>
-  </p:clrMapOvr>
-</p:sld>
-</file>
-
-<file path=ppt/slides/slide20.xml><?xml version="1.0" encoding="utf-8"?>
-<p:sld xmlns:a="http://schemas.openxmlformats.org/drawingml/2006/main" xmlns:r="http://schemas.openxmlformats.org/officeDocument/2006/relationships" xmlns:p="http://schemas.openxmlformats.org/presentationml/2006/main">
-  <p:cSld>
-    <p:spTree>
-      <p:nvGrpSpPr>
-        <p:cNvPr id="1" name=""/>
-        <p:cNvGrpSpPr/>
-        <p:nvPr/>
-      </p:nvGrpSpPr>
-      <p:grpSpPr>
-        <a:xfrm>
-          <a:off x="0" y="0"/>
-          <a:ext cx="0" cy="0"/>
-          <a:chOff x="0" y="0"/>
-          <a:chExt cx="0" cy="0"/>
-        </a:xfrm>
-      </p:grpSpPr>
-      <p:sp>
-        <p:nvSpPr>
           <p:cNvPr id="13" name="Title 12">
             <a:extLst>
               <a:ext uri="{FF2B5EF4-FFF2-40B4-BE49-F238E27FC236}">
@@ -6892,7 +6898,7 @@
 </p:sld>
 </file>
 
-<file path=ppt/slides/slide21.xml><?xml version="1.0" encoding="utf-8"?>
+<file path=ppt/slides/slide22.xml><?xml version="1.0" encoding="utf-8"?>
 <p:sld xmlns:a="http://schemas.openxmlformats.org/drawingml/2006/main" xmlns:r="http://schemas.openxmlformats.org/officeDocument/2006/relationships" xmlns:p="http://schemas.openxmlformats.org/presentationml/2006/main">
   <p:cSld>
     <p:spTree>
@@ -7075,7 +7081,7 @@
           <p:nvPr>
             <p:extLst>
               <p:ext uri="{D42A27DB-BD31-4B8C-83A1-F6EECF244321}">
-                <p14:modId xmlns:p14="http://schemas.microsoft.com/office/powerpoint/2010/main" val="402546364"/>
+                <p14:modId xmlns:p14="http://schemas.microsoft.com/office/powerpoint/2010/main" val="2777198646"/>
               </p:ext>
             </p:extLst>
           </p:nvPr>
@@ -7292,7 +7298,7 @@
                     <a:p>
                       <a:r>
                         <a:rPr lang="en-US" sz="2800" dirty="0"/>
-                        <a:t>.99</a:t>
+                        <a:t>.91</a:t>
                       </a:r>
                     </a:p>
                   </a:txBody>
@@ -7569,7 +7575,7 @@
 </p:sld>
 </file>
 
-<file path=ppt/slides/slide22.xml><?xml version="1.0" encoding="utf-8"?>
+<file path=ppt/slides/slide23.xml><?xml version="1.0" encoding="utf-8"?>
 <p:sld xmlns:a="http://schemas.openxmlformats.org/drawingml/2006/main" xmlns:r="http://schemas.openxmlformats.org/officeDocument/2006/relationships" xmlns:p="http://schemas.openxmlformats.org/presentationml/2006/main">
   <p:cSld>
     <p:spTree>
